--- a/assets/23-slides/1-intro.pptx
+++ b/assets/23-slides/1-intro.pptx
@@ -6962,23 +6962,6 @@
                 <a:hlinkClick r:id="rId3"/>
               </a:rPr>
               <a:t>https://mp.weixin.qq.com/s/juWtNUnIuFJfXoP_6eKIKg</a:t>
-            </a:r>
-            <a:endParaRPr lang="en-US" altLang="zh-CN" dirty="0">
-              <a:hlinkClick r:id="rId2">
-                <a:extLst>
-                  <a:ext uri="{A12FA001-AC4F-418D-AE19-62706E023703}">
-                    <ahyp:hlinkClr xmlns:ahyp="http://schemas.microsoft.com/office/drawing/2018/hyperlinkcolor" val="tx"/>
-                  </a:ext>
-                </a:extLst>
-              </a:hlinkClick>
-            </a:endParaRPr>
-          </a:p>
-          <a:p>
-            <a:r>
-              <a:rPr lang="en-US" altLang="zh-CN" dirty="0">
-                <a:hlinkClick r:id="rId4"/>
-              </a:rPr>
-              <a:t>https://mp.weixin.qq.com/s/ek94ZTbAnqBKRh6QawF-WQ</a:t>
             </a:r>
             <a:endParaRPr lang="zh-CN" altLang="en-US" dirty="0"/>
           </a:p>

--- a/assets/23-slides/1-intro.pptx
+++ b/assets/23-slides/1-intro.pptx
@@ -214,7 +214,7 @@
           <a:p>
             <a:fld id="{4DFBDF1C-94EC-4F7A-8EFF-FC45E4E975A6}" type="datetimeFigureOut">
               <a:rPr lang="zh-CN" altLang="en-US" smtClean="0"/>
-              <a:t>2023/9/11</a:t>
+              <a:t>2023/9/12</a:t>
             </a:fld>
             <a:endParaRPr lang="zh-CN" altLang="en-US"/>
           </a:p>
@@ -712,7 +712,7 @@
           <a:p>
             <a:fld id="{68EFC5B4-A364-427B-8C17-C910A238CDB4}" type="datetimeFigureOut">
               <a:rPr lang="zh-CN" altLang="en-US" smtClean="0"/>
-              <a:t>2023/9/11</a:t>
+              <a:t>2023/9/12</a:t>
             </a:fld>
             <a:endParaRPr lang="zh-CN" altLang="en-US"/>
           </a:p>
@@ -910,7 +910,7 @@
           <a:p>
             <a:fld id="{68EFC5B4-A364-427B-8C17-C910A238CDB4}" type="datetimeFigureOut">
               <a:rPr lang="zh-CN" altLang="en-US" smtClean="0"/>
-              <a:t>2023/9/11</a:t>
+              <a:t>2023/9/12</a:t>
             </a:fld>
             <a:endParaRPr lang="zh-CN" altLang="en-US"/>
           </a:p>
@@ -1118,7 +1118,7 @@
           <a:p>
             <a:fld id="{68EFC5B4-A364-427B-8C17-C910A238CDB4}" type="datetimeFigureOut">
               <a:rPr lang="zh-CN" altLang="en-US" smtClean="0"/>
-              <a:t>2023/9/11</a:t>
+              <a:t>2023/9/12</a:t>
             </a:fld>
             <a:endParaRPr lang="zh-CN" altLang="en-US"/>
           </a:p>
@@ -1316,7 +1316,7 @@
           <a:p>
             <a:fld id="{68EFC5B4-A364-427B-8C17-C910A238CDB4}" type="datetimeFigureOut">
               <a:rPr lang="zh-CN" altLang="en-US" smtClean="0"/>
-              <a:t>2023/9/11</a:t>
+              <a:t>2023/9/12</a:t>
             </a:fld>
             <a:endParaRPr lang="zh-CN" altLang="en-US"/>
           </a:p>
@@ -1591,7 +1591,7 @@
           <a:p>
             <a:fld id="{68EFC5B4-A364-427B-8C17-C910A238CDB4}" type="datetimeFigureOut">
               <a:rPr lang="zh-CN" altLang="en-US" smtClean="0"/>
-              <a:t>2023/9/11</a:t>
+              <a:t>2023/9/12</a:t>
             </a:fld>
             <a:endParaRPr lang="zh-CN" altLang="en-US"/>
           </a:p>
@@ -1856,7 +1856,7 @@
           <a:p>
             <a:fld id="{68EFC5B4-A364-427B-8C17-C910A238CDB4}" type="datetimeFigureOut">
               <a:rPr lang="zh-CN" altLang="en-US" smtClean="0"/>
-              <a:t>2023/9/11</a:t>
+              <a:t>2023/9/12</a:t>
             </a:fld>
             <a:endParaRPr lang="zh-CN" altLang="en-US"/>
           </a:p>
@@ -2268,7 +2268,7 @@
           <a:p>
             <a:fld id="{68EFC5B4-A364-427B-8C17-C910A238CDB4}" type="datetimeFigureOut">
               <a:rPr lang="zh-CN" altLang="en-US" smtClean="0"/>
-              <a:t>2023/9/11</a:t>
+              <a:t>2023/9/12</a:t>
             </a:fld>
             <a:endParaRPr lang="zh-CN" altLang="en-US"/>
           </a:p>
@@ -2409,7 +2409,7 @@
           <a:p>
             <a:fld id="{68EFC5B4-A364-427B-8C17-C910A238CDB4}" type="datetimeFigureOut">
               <a:rPr lang="zh-CN" altLang="en-US" smtClean="0"/>
-              <a:t>2023/9/11</a:t>
+              <a:t>2023/9/12</a:t>
             </a:fld>
             <a:endParaRPr lang="zh-CN" altLang="en-US"/>
           </a:p>
@@ -2522,7 +2522,7 @@
           <a:p>
             <a:fld id="{68EFC5B4-A364-427B-8C17-C910A238CDB4}" type="datetimeFigureOut">
               <a:rPr lang="zh-CN" altLang="en-US" smtClean="0"/>
-              <a:t>2023/9/11</a:t>
+              <a:t>2023/9/12</a:t>
             </a:fld>
             <a:endParaRPr lang="zh-CN" altLang="en-US"/>
           </a:p>
@@ -2833,7 +2833,7 @@
           <a:p>
             <a:fld id="{68EFC5B4-A364-427B-8C17-C910A238CDB4}" type="datetimeFigureOut">
               <a:rPr lang="zh-CN" altLang="en-US" smtClean="0"/>
-              <a:t>2023/9/11</a:t>
+              <a:t>2023/9/12</a:t>
             </a:fld>
             <a:endParaRPr lang="zh-CN" altLang="en-US"/>
           </a:p>
@@ -3121,7 +3121,7 @@
           <a:p>
             <a:fld id="{68EFC5B4-A364-427B-8C17-C910A238CDB4}" type="datetimeFigureOut">
               <a:rPr lang="zh-CN" altLang="en-US" smtClean="0"/>
-              <a:t>2023/9/11</a:t>
+              <a:t>2023/9/12</a:t>
             </a:fld>
             <a:endParaRPr lang="zh-CN" altLang="en-US"/>
           </a:p>
@@ -3362,7 +3362,7 @@
           <a:p>
             <a:fld id="{68EFC5B4-A364-427B-8C17-C910A238CDB4}" type="datetimeFigureOut">
               <a:rPr lang="zh-CN" altLang="en-US" smtClean="0"/>
-              <a:t>2023/9/11</a:t>
+              <a:t>2023/9/12</a:t>
             </a:fld>
             <a:endParaRPr lang="zh-CN" altLang="en-US"/>
           </a:p>
